--- a/Mobile Banking.pptx
+++ b/Mobile Banking.pptx
@@ -2996,32 +2996,8 @@
               <a:buNone/>
             </a:pPr>
             <a:r>
-              <a:rPr lang="en-GB" altLang="en-US" sz="2000" b="1">
-                <a:solidFill>
-                  <a:srgbClr val="00B050"/>
-                </a:solidFill>
-                <a:sym typeface="+mn-ea"/>
-              </a:rPr>
-              <a:t>Clients worked for:</a:t>
-            </a:r>
-            <a:r>
-              <a:rPr lang="en-GB" altLang="en-US" sz="2000">
-                <a:sym typeface="+mn-ea"/>
-              </a:rPr>
-              <a:t> Monitise</a:t>
-            </a:r>
-            <a:endParaRPr lang="en-GB" altLang="en-US" sz="2000"/>
-          </a:p>
-          <a:p>
-            <a:pPr marL="0" indent="0">
-              <a:lnSpc>
-                <a:spcPct val="100000"/>
-              </a:lnSpc>
-              <a:buNone/>
-            </a:pPr>
-            <a:r>
               <a:rPr lang="en-GB" altLang="en-US" sz="2000"/>
-              <a:t>Monitise Mobile Banking Application offered customers with a secure and simple Internet Banking. Monitise Mobile Banking enabled the the standard banking features of Making payments, Standing Orders, Direct Debits, Statements, Messaging.</a:t>
+              <a:t>Mobile Banking Application offered customers with a secure and simple Internet Banking. Banking enabled the the standard banking features of Making payments, Standing Orders, Direct Debits, Statements, Messaging.</a:t>
             </a:r>
             <a:endParaRPr lang="en-GB" altLang="en-US" sz="2000"/>
           </a:p>
